--- a/slides/gRPC.pptx
+++ b/slides/gRPC.pptx
@@ -5038,7 +5038,7 @@
         <p:spPr/>
         <p:txBody>
           <a:bodyPr>
-            <a:normAutofit fontScale="62500" lnSpcReduction="20000"/>
+            <a:normAutofit fontScale="55000" lnSpcReduction="20000"/>
           </a:bodyPr>
           <a:lstStyle/>
           <a:p>
@@ -5512,6 +5512,89 @@
               </a:rPr>
               <a:t>https://docs.microsoft.com/en-us/aspnet/core/grpc/test-tools?view=aspnetcore-6.0</a:t>
             </a:r>
+            <a:endParaRPr lang="fo-FO" dirty="0">
+              <a:solidFill>
+                <a:schemeClr val="bg1"/>
+              </a:solidFill>
+              <a:latin typeface="Open Sans Light" pitchFamily="2" charset="0"/>
+              <a:ea typeface="Open Sans Light" pitchFamily="2" charset="0"/>
+              <a:cs typeface="Open Sans Light" pitchFamily="2" charset="0"/>
+            </a:endParaRPr>
+          </a:p>
+          <a:p>
+            <a:r>
+              <a:rPr lang="fo-FO" dirty="0" err="1">
+                <a:solidFill>
+                  <a:schemeClr val="bg1"/>
+                </a:solidFill>
+                <a:latin typeface="Open Sans Light" pitchFamily="2" charset="0"/>
+                <a:ea typeface="Open Sans Light" pitchFamily="2" charset="0"/>
+                <a:cs typeface="Open Sans Light" pitchFamily="2" charset="0"/>
+              </a:rPr>
+              <a:t>Scalar</a:t>
+            </a:r>
+            <a:r>
+              <a:rPr lang="fo-FO" dirty="0">
+                <a:solidFill>
+                  <a:schemeClr val="bg1"/>
+                </a:solidFill>
+                <a:latin typeface="Open Sans Light" pitchFamily="2" charset="0"/>
+                <a:ea typeface="Open Sans Light" pitchFamily="2" charset="0"/>
+                <a:cs typeface="Open Sans Light" pitchFamily="2" charset="0"/>
+              </a:rPr>
+              <a:t> </a:t>
+            </a:r>
+            <a:r>
+              <a:rPr lang="fo-FO" dirty="0" err="1">
+                <a:solidFill>
+                  <a:schemeClr val="bg1"/>
+                </a:solidFill>
+                <a:latin typeface="Open Sans Light" pitchFamily="2" charset="0"/>
+                <a:ea typeface="Open Sans Light" pitchFamily="2" charset="0"/>
+                <a:cs typeface="Open Sans Light" pitchFamily="2" charset="0"/>
+              </a:rPr>
+              <a:t>types</a:t>
+            </a:r>
+            <a:endParaRPr lang="fo-FO" dirty="0">
+              <a:solidFill>
+                <a:schemeClr val="bg1"/>
+              </a:solidFill>
+              <a:latin typeface="Open Sans Light" pitchFamily="2" charset="0"/>
+              <a:ea typeface="Open Sans Light" pitchFamily="2" charset="0"/>
+              <a:cs typeface="Open Sans Light" pitchFamily="2" charset="0"/>
+            </a:endParaRPr>
+          </a:p>
+          <a:p>
+            <a:pPr lvl="1"/>
+            <a:r>
+              <a:rPr lang="fo-FO" dirty="0">
+                <a:solidFill>
+                  <a:schemeClr val="bg1"/>
+                </a:solidFill>
+                <a:latin typeface="Open Sans Light" pitchFamily="2" charset="0"/>
+                <a:ea typeface="Open Sans Light" pitchFamily="2" charset="0"/>
+                <a:cs typeface="Open Sans Light" pitchFamily="2" charset="0"/>
+                <a:hlinkClick r:id="rId10">
+                  <a:extLst>
+                    <a:ext uri="{A12FA001-AC4F-418D-AE19-62706E023703}">
+                      <ahyp:hlinkClr xmlns:ahyp="http://schemas.microsoft.com/office/drawing/2018/hyperlinkcolor" val="tx"/>
+                    </a:ext>
+                  </a:extLst>
+                </a:hlinkClick>
+              </a:rPr>
+              <a:t>https://docs.microsoft.com/en-us/dotnet/architecture/grpc-for-wcf-developers/protobuf-data-types</a:t>
+            </a:r>
+            <a:endParaRPr lang="fo-FO" dirty="0">
+              <a:solidFill>
+                <a:schemeClr val="bg1"/>
+              </a:solidFill>
+              <a:latin typeface="Open Sans Light" pitchFamily="2" charset="0"/>
+              <a:ea typeface="Open Sans Light" pitchFamily="2" charset="0"/>
+              <a:cs typeface="Open Sans Light" pitchFamily="2" charset="0"/>
+            </a:endParaRPr>
+          </a:p>
+          <a:p>
+            <a:pPr lvl="1"/>
             <a:endParaRPr lang="fo-FO" dirty="0">
               <a:solidFill>
                 <a:schemeClr val="bg1"/>
